--- a/Specifications/headphones_narrowband_calibration/GUI-Screens.pptx
+++ b/Specifications/headphones_narrowband_calibration/GUI-Screens.pptx
@@ -3351,9 +3351,9 @@
         <p:grpSpPr>
           <a:xfrm>
             <a:off x="3142601" y="108155"/>
-            <a:ext cx="6387828" cy="6617110"/>
+            <a:ext cx="5867785" cy="6617110"/>
             <a:chOff x="3142601" y="108155"/>
-            <a:chExt cx="6387828" cy="6617110"/>
+            <a:chExt cx="5867785" cy="6617110"/>
           </a:xfrm>
         </p:grpSpPr>
         <p:pic>
@@ -3888,7 +3888,7 @@
           <p:spPr>
             <a:xfrm>
               <a:off x="3539699" y="3434487"/>
-              <a:ext cx="5990730" cy="1015663"/>
+              <a:ext cx="5319166" cy="1015663"/>
             </a:xfrm>
             <a:prstGeom prst="rect">
               <a:avLst/>

--- a/Specifications/headphones_narrowband_calibration/GUI-Screens.pptx
+++ b/Specifications/headphones_narrowband_calibration/GUI-Screens.pptx
@@ -3338,10 +3338,10 @@
       </p:grpSpPr>
       <p:grpSp>
         <p:nvGrpSpPr>
-          <p:cNvPr id="75" name="Group 74">
-            <a:extLst>
-              <a:ext uri="{FF2B5EF4-FFF2-40B4-BE49-F238E27FC236}">
-                <a16:creationId xmlns:a16="http://schemas.microsoft.com/office/drawing/2014/main" id="{CE1D8445-2866-92F2-CDA9-A83420F4D522}"/>
+          <p:cNvPr id="8" name="Group 7">
+            <a:extLst>
+              <a:ext uri="{FF2B5EF4-FFF2-40B4-BE49-F238E27FC236}">
+                <a16:creationId xmlns:a16="http://schemas.microsoft.com/office/drawing/2014/main" id="{F6D7762B-6FC9-07E4-A7AC-0E6A0310E39D}"/>
               </a:ext>
             </a:extLst>
           </p:cNvPr>
@@ -3356,159 +3356,725 @@
             <a:chExt cx="5867785" cy="6617110"/>
           </a:xfrm>
         </p:grpSpPr>
-        <p:pic>
-          <p:nvPicPr>
-            <p:cNvPr id="2" name="Picture 1">
+        <p:grpSp>
+          <p:nvGrpSpPr>
+            <p:cNvPr id="75" name="Group 74">
               <a:extLst>
                 <a:ext uri="{FF2B5EF4-FFF2-40B4-BE49-F238E27FC236}">
-                  <a16:creationId xmlns:a16="http://schemas.microsoft.com/office/drawing/2014/main" id="{2849330B-545E-22F9-EE08-1C86F9250FD3}"/>
+                  <a16:creationId xmlns:a16="http://schemas.microsoft.com/office/drawing/2014/main" id="{CE1D8445-2866-92F2-CDA9-A83420F4D522}"/>
                 </a:ext>
               </a:extLst>
             </p:cNvPr>
-            <p:cNvPicPr>
-              <a:picLocks noChangeAspect="1"/>
-            </p:cNvPicPr>
+            <p:cNvGrpSpPr/>
             <p:nvPr/>
-          </p:nvPicPr>
-          <p:blipFill>
-            <a:blip r:embed="rId2"/>
-            <a:srcRect l="23569" t="12201" r="25360" b="18743"/>
-            <a:stretch/>
-          </p:blipFill>
-          <p:spPr>
-            <a:xfrm>
-              <a:off x="5515897" y="2802194"/>
-              <a:ext cx="1120877" cy="1145124"/>
-            </a:xfrm>
-            <a:prstGeom prst="rect">
-              <a:avLst/>
-            </a:prstGeom>
-          </p:spPr>
-        </p:pic>
-        <p:pic>
-          <p:nvPicPr>
-            <p:cNvPr id="3" name="Picture 2">
-              <a:extLst>
-                <a:ext uri="{FF2B5EF4-FFF2-40B4-BE49-F238E27FC236}">
-                  <a16:creationId xmlns:a16="http://schemas.microsoft.com/office/drawing/2014/main" id="{781615A3-6E9D-AFB9-4FBF-71772AB2ACD5}"/>
-                </a:ext>
-              </a:extLst>
-            </p:cNvPr>
-            <p:cNvPicPr>
-              <a:picLocks noChangeAspect="1"/>
-            </p:cNvPicPr>
-            <p:nvPr/>
-          </p:nvPicPr>
-          <p:blipFill>
-            <a:blip r:embed="rId3"/>
-            <a:srcRect l="54980" t="72026" r="39565" b="21315"/>
-            <a:stretch/>
-          </p:blipFill>
-          <p:spPr>
-            <a:xfrm>
-              <a:off x="3773277" y="5249275"/>
-              <a:ext cx="412899" cy="569618"/>
-            </a:xfrm>
-            <a:prstGeom prst="rect">
-              <a:avLst/>
-            </a:prstGeom>
-            <a:ln>
-              <a:noFill/>
-            </a:ln>
-          </p:spPr>
-        </p:pic>
-        <p:pic>
-          <p:nvPicPr>
-            <p:cNvPr id="4" name="Picture 3">
-              <a:extLst>
-                <a:ext uri="{FF2B5EF4-FFF2-40B4-BE49-F238E27FC236}">
-                  <a16:creationId xmlns:a16="http://schemas.microsoft.com/office/drawing/2014/main" id="{CC61B431-7106-7D51-2AD4-A52A7970B35F}"/>
-                </a:ext>
-              </a:extLst>
-            </p:cNvPr>
-            <p:cNvPicPr>
-              <a:picLocks noChangeAspect="1"/>
-            </p:cNvPicPr>
-            <p:nvPr/>
-          </p:nvPicPr>
-          <p:blipFill>
-            <a:blip r:embed="rId3"/>
-            <a:srcRect l="54980" t="72026" r="39565" b="21315"/>
-            <a:stretch/>
-          </p:blipFill>
-          <p:spPr>
-            <a:xfrm>
-              <a:off x="5259288" y="5286129"/>
-              <a:ext cx="443572" cy="532764"/>
-            </a:xfrm>
-            <a:prstGeom prst="rect">
-              <a:avLst/>
-            </a:prstGeom>
-            <a:ln>
-              <a:noFill/>
-            </a:ln>
-          </p:spPr>
-        </p:pic>
-        <p:sp>
-          <p:nvSpPr>
-            <p:cNvPr id="5" name="Rectangle 4">
-              <a:extLst>
-                <a:ext uri="{FF2B5EF4-FFF2-40B4-BE49-F238E27FC236}">
-                  <a16:creationId xmlns:a16="http://schemas.microsoft.com/office/drawing/2014/main" id="{E20CAFF4-1D34-570A-CD20-E4FE725E71FC}"/>
-                </a:ext>
-              </a:extLst>
-            </p:cNvPr>
-            <p:cNvSpPr/>
-            <p:nvPr/>
-          </p:nvSpPr>
-          <p:spPr>
+          </p:nvGrpSpPr>
+          <p:grpSpPr>
             <a:xfrm>
               <a:off x="3142601" y="108155"/>
               <a:ext cx="5867785" cy="6617110"/>
+              <a:chOff x="3142601" y="108155"/>
+              <a:chExt cx="5867785" cy="6617110"/>
             </a:xfrm>
-            <a:prstGeom prst="rect">
-              <a:avLst/>
-            </a:prstGeom>
-            <a:solidFill>
-              <a:schemeClr val="bg1"/>
-            </a:solidFill>
-            <a:ln>
+          </p:grpSpPr>
+          <p:pic>
+            <p:nvPicPr>
+              <p:cNvPr id="2" name="Picture 1">
+                <a:extLst>
+                  <a:ext uri="{FF2B5EF4-FFF2-40B4-BE49-F238E27FC236}">
+                    <a16:creationId xmlns:a16="http://schemas.microsoft.com/office/drawing/2014/main" id="{2849330B-545E-22F9-EE08-1C86F9250FD3}"/>
+                  </a:ext>
+                </a:extLst>
+              </p:cNvPr>
+              <p:cNvPicPr>
+                <a:picLocks noChangeAspect="1"/>
+              </p:cNvPicPr>
+              <p:nvPr/>
+            </p:nvPicPr>
+            <p:blipFill>
+              <a:blip r:embed="rId2"/>
+              <a:srcRect l="23569" t="12201" r="25360" b="18743"/>
+              <a:stretch/>
+            </p:blipFill>
+            <p:spPr>
+              <a:xfrm>
+                <a:off x="5515897" y="2802194"/>
+                <a:ext cx="1120877" cy="1145124"/>
+              </a:xfrm>
+              <a:prstGeom prst="rect">
+                <a:avLst/>
+              </a:prstGeom>
+            </p:spPr>
+          </p:pic>
+          <p:pic>
+            <p:nvPicPr>
+              <p:cNvPr id="3" name="Picture 2">
+                <a:extLst>
+                  <a:ext uri="{FF2B5EF4-FFF2-40B4-BE49-F238E27FC236}">
+                    <a16:creationId xmlns:a16="http://schemas.microsoft.com/office/drawing/2014/main" id="{781615A3-6E9D-AFB9-4FBF-71772AB2ACD5}"/>
+                  </a:ext>
+                </a:extLst>
+              </p:cNvPr>
+              <p:cNvPicPr>
+                <a:picLocks noChangeAspect="1"/>
+              </p:cNvPicPr>
+              <p:nvPr/>
+            </p:nvPicPr>
+            <p:blipFill>
+              <a:blip r:embed="rId3"/>
+              <a:srcRect l="54980" t="72026" r="39565" b="21315"/>
+              <a:stretch/>
+            </p:blipFill>
+            <p:spPr>
+              <a:xfrm>
+                <a:off x="3773277" y="5249275"/>
+                <a:ext cx="412899" cy="569618"/>
+              </a:xfrm>
+              <a:prstGeom prst="rect">
+                <a:avLst/>
+              </a:prstGeom>
+              <a:ln>
+                <a:noFill/>
+              </a:ln>
+            </p:spPr>
+          </p:pic>
+          <p:pic>
+            <p:nvPicPr>
+              <p:cNvPr id="4" name="Picture 3">
+                <a:extLst>
+                  <a:ext uri="{FF2B5EF4-FFF2-40B4-BE49-F238E27FC236}">
+                    <a16:creationId xmlns:a16="http://schemas.microsoft.com/office/drawing/2014/main" id="{CC61B431-7106-7D51-2AD4-A52A7970B35F}"/>
+                  </a:ext>
+                </a:extLst>
+              </p:cNvPr>
+              <p:cNvPicPr>
+                <a:picLocks noChangeAspect="1"/>
+              </p:cNvPicPr>
+              <p:nvPr/>
+            </p:nvPicPr>
+            <p:blipFill>
+              <a:blip r:embed="rId3"/>
+              <a:srcRect l="54980" t="72026" r="39565" b="21315"/>
+              <a:stretch/>
+            </p:blipFill>
+            <p:spPr>
+              <a:xfrm>
+                <a:off x="5259288" y="5286129"/>
+                <a:ext cx="443572" cy="532764"/>
+              </a:xfrm>
+              <a:prstGeom prst="rect">
+                <a:avLst/>
+              </a:prstGeom>
+              <a:ln>
+                <a:noFill/>
+              </a:ln>
+            </p:spPr>
+          </p:pic>
+          <p:sp>
+            <p:nvSpPr>
+              <p:cNvPr id="5" name="Rectangle 4">
+                <a:extLst>
+                  <a:ext uri="{FF2B5EF4-FFF2-40B4-BE49-F238E27FC236}">
+                    <a16:creationId xmlns:a16="http://schemas.microsoft.com/office/drawing/2014/main" id="{E20CAFF4-1D34-570A-CD20-E4FE725E71FC}"/>
+                  </a:ext>
+                </a:extLst>
+              </p:cNvPr>
+              <p:cNvSpPr/>
+              <p:nvPr/>
+            </p:nvSpPr>
+            <p:spPr>
+              <a:xfrm>
+                <a:off x="3142601" y="108155"/>
+                <a:ext cx="5867785" cy="6617110"/>
+              </a:xfrm>
+              <a:prstGeom prst="rect">
+                <a:avLst/>
+              </a:prstGeom>
               <a:solidFill>
-                <a:schemeClr val="tx1"/>
+                <a:schemeClr val="bg1"/>
               </a:solidFill>
-            </a:ln>
-          </p:spPr>
-          <p:style>
-            <a:lnRef idx="2">
-              <a:schemeClr val="accent1">
-                <a:shade val="15000"/>
-              </a:schemeClr>
-            </a:lnRef>
-            <a:fillRef idx="1">
-              <a:schemeClr val="accent1"/>
-            </a:fillRef>
-            <a:effectRef idx="0">
-              <a:schemeClr val="accent1"/>
-            </a:effectRef>
-            <a:fontRef idx="minor">
-              <a:schemeClr val="lt1"/>
-            </a:fontRef>
-          </p:style>
-          <p:txBody>
-            <a:bodyPr rtlCol="0" anchor="ctr"/>
-            <a:lstStyle/>
-            <a:p>
-              <a:pPr algn="ctr"/>
-              <a:endParaRPr lang="en-US"/>
-            </a:p>
-          </p:txBody>
-        </p:sp>
+              <a:ln>
+                <a:solidFill>
+                  <a:schemeClr val="tx1"/>
+                </a:solidFill>
+              </a:ln>
+            </p:spPr>
+            <p:style>
+              <a:lnRef idx="2">
+                <a:schemeClr val="accent1">
+                  <a:shade val="15000"/>
+                </a:schemeClr>
+              </a:lnRef>
+              <a:fillRef idx="1">
+                <a:schemeClr val="accent1"/>
+              </a:fillRef>
+              <a:effectRef idx="0">
+                <a:schemeClr val="accent1"/>
+              </a:effectRef>
+              <a:fontRef idx="minor">
+                <a:schemeClr val="lt1"/>
+              </a:fontRef>
+            </p:style>
+            <p:txBody>
+              <a:bodyPr rtlCol="0" anchor="ctr"/>
+              <a:lstStyle/>
+              <a:p>
+                <a:pPr algn="ctr"/>
+                <a:endParaRPr lang="en-US"/>
+              </a:p>
+            </p:txBody>
+          </p:sp>
+          <p:sp>
+            <p:nvSpPr>
+              <p:cNvPr id="12" name="TextBox 11">
+                <a:extLst>
+                  <a:ext uri="{FF2B5EF4-FFF2-40B4-BE49-F238E27FC236}">
+                    <a16:creationId xmlns:a16="http://schemas.microsoft.com/office/drawing/2014/main" id="{30196C2B-D09E-77DC-2024-8622859A3F46}"/>
+                  </a:ext>
+                </a:extLst>
+              </p:cNvPr>
+              <p:cNvSpPr txBox="1"/>
+              <p:nvPr/>
+            </p:nvSpPr>
+            <p:spPr>
+              <a:xfrm>
+                <a:off x="3539699" y="953151"/>
+                <a:ext cx="5161936" cy="2308324"/>
+              </a:xfrm>
+              <a:prstGeom prst="rect">
+                <a:avLst/>
+              </a:prstGeom>
+              <a:noFill/>
+            </p:spPr>
+            <p:txBody>
+              <a:bodyPr wrap="square" rtlCol="0">
+                <a:spAutoFit/>
+              </a:bodyPr>
+              <a:lstStyle/>
+              <a:p>
+                <a:pPr defTabSz="1453896">
+                  <a:spcAft>
+                    <a:spcPts val="600"/>
+                  </a:spcAft>
+                </a:pPr>
+                <a:r>
+                  <a:rPr lang="en-US" sz="2400" kern="1200" dirty="0" err="1">
+                    <a:solidFill>
+                      <a:schemeClr val="tx1"/>
+                    </a:solidFill>
+                    <a:latin typeface="+mn-lt"/>
+                    <a:ea typeface="+mn-ea"/>
+                    <a:cs typeface="+mn-cs"/>
+                  </a:rPr>
+                  <a:t>InstructionText</a:t>
+                </a:r>
+                <a:r>
+                  <a:rPr lang="en-US" sz="2400" kern="1200" dirty="0">
+                    <a:solidFill>
+                      <a:schemeClr val="tx1"/>
+                    </a:solidFill>
+                    <a:latin typeface="+mn-lt"/>
+                    <a:ea typeface="+mn-ea"/>
+                    <a:cs typeface="+mn-cs"/>
+                  </a:rPr>
+                  <a:t>: “Press Play/Stop to start/stop the tone. Use the +/- buttons to adjust the output level until the flat plate reads [</a:t>
+                </a:r>
+                <a:r>
+                  <a:rPr lang="en-US" sz="2400" kern="1200" dirty="0" err="1">
+                    <a:solidFill>
+                      <a:schemeClr val="tx1"/>
+                    </a:solidFill>
+                    <a:latin typeface="+mn-lt"/>
+                    <a:ea typeface="+mn-ea"/>
+                    <a:cs typeface="+mn-cs"/>
+                  </a:rPr>
+                  <a:t>TargetLevel</a:t>
+                </a:r>
+                <a:r>
+                  <a:rPr lang="en-US" sz="2400" kern="1200" dirty="0">
+                    <a:solidFill>
+                      <a:schemeClr val="tx1"/>
+                    </a:solidFill>
+                    <a:latin typeface="+mn-lt"/>
+                    <a:ea typeface="+mn-ea"/>
+                    <a:cs typeface="+mn-cs"/>
+                  </a:rPr>
+                  <a:t>] dB SPL (+/- 3 dB). Press Next when done.” </a:t>
+                </a:r>
+                <a:endParaRPr lang="en-US" sz="1400" dirty="0"/>
+              </a:p>
+            </p:txBody>
+          </p:sp>
+          <p:sp>
+            <p:nvSpPr>
+              <p:cNvPr id="14" name="TextBox 13">
+                <a:extLst>
+                  <a:ext uri="{FF2B5EF4-FFF2-40B4-BE49-F238E27FC236}">
+                    <a16:creationId xmlns:a16="http://schemas.microsoft.com/office/drawing/2014/main" id="{CAF23888-FE19-681B-15DC-30B7023FC0EE}"/>
+                  </a:ext>
+                </a:extLst>
+              </p:cNvPr>
+              <p:cNvSpPr txBox="1"/>
+              <p:nvPr/>
+            </p:nvSpPr>
+            <p:spPr>
+              <a:xfrm>
+                <a:off x="3539699" y="364730"/>
+                <a:ext cx="5418480" cy="590808"/>
+              </a:xfrm>
+              <a:prstGeom prst="rect">
+                <a:avLst/>
+              </a:prstGeom>
+              <a:noFill/>
+            </p:spPr>
+            <p:txBody>
+              <a:bodyPr wrap="square" rtlCol="0">
+                <a:spAutoFit/>
+              </a:bodyPr>
+              <a:lstStyle/>
+              <a:p>
+                <a:pPr defTabSz="1453896">
+                  <a:spcAft>
+                    <a:spcPts val="600"/>
+                  </a:spcAft>
+                </a:pPr>
+                <a:r>
+                  <a:rPr lang="en-US" sz="2862" b="1" kern="1200" dirty="0">
+                    <a:solidFill>
+                      <a:schemeClr val="tx1"/>
+                    </a:solidFill>
+                    <a:latin typeface="+mn-lt"/>
+                    <a:ea typeface="+mn-ea"/>
+                    <a:cs typeface="+mn-cs"/>
+                  </a:rPr>
+                  <a:t>Title: “Calibration: 1000 Hz” </a:t>
+                </a:r>
+                <a:endParaRPr lang="en-US" b="1" dirty="0"/>
+              </a:p>
+            </p:txBody>
+          </p:sp>
+          <p:grpSp>
+            <p:nvGrpSpPr>
+              <p:cNvPr id="21" name="Group 20">
+                <a:extLst>
+                  <a:ext uri="{FF2B5EF4-FFF2-40B4-BE49-F238E27FC236}">
+                    <a16:creationId xmlns:a16="http://schemas.microsoft.com/office/drawing/2014/main" id="{E93AAA31-BED6-C5CF-8E34-B06D5B4F893D}"/>
+                  </a:ext>
+                </a:extLst>
+              </p:cNvPr>
+              <p:cNvGrpSpPr/>
+              <p:nvPr/>
+            </p:nvGrpSpPr>
+            <p:grpSpPr>
+              <a:xfrm>
+                <a:off x="6408026" y="5101480"/>
+                <a:ext cx="1629744" cy="952680"/>
+                <a:chOff x="7665058" y="4309607"/>
+                <a:chExt cx="1018802" cy="595549"/>
+              </a:xfrm>
+            </p:grpSpPr>
+            <p:pic>
+              <p:nvPicPr>
+                <p:cNvPr id="30" name="Picture 29">
+                  <a:extLst>
+                    <a:ext uri="{FF2B5EF4-FFF2-40B4-BE49-F238E27FC236}">
+                      <a16:creationId xmlns:a16="http://schemas.microsoft.com/office/drawing/2014/main" id="{6B72B6F0-8392-D73E-A4F7-5703AC82A05F}"/>
+                    </a:ext>
+                  </a:extLst>
+                </p:cNvPr>
+                <p:cNvPicPr>
+                  <a:picLocks noChangeAspect="1"/>
+                </p:cNvPicPr>
+                <p:nvPr/>
+              </p:nvPicPr>
+              <p:blipFill>
+                <a:blip r:embed="rId4"/>
+                <a:stretch>
+                  <a:fillRect/>
+                </a:stretch>
+              </p:blipFill>
+              <p:spPr>
+                <a:xfrm>
+                  <a:off x="7665058" y="4309607"/>
+                  <a:ext cx="1018802" cy="595549"/>
+                </a:xfrm>
+                <a:prstGeom prst="rect">
+                  <a:avLst/>
+                </a:prstGeom>
+              </p:spPr>
+            </p:pic>
+            <p:sp>
+              <p:nvSpPr>
+                <p:cNvPr id="31" name="TextBox 30">
+                  <a:extLst>
+                    <a:ext uri="{FF2B5EF4-FFF2-40B4-BE49-F238E27FC236}">
+                      <a16:creationId xmlns:a16="http://schemas.microsoft.com/office/drawing/2014/main" id="{2E0D7EE7-B7CC-72EB-4316-B425E86CF7FC}"/>
+                    </a:ext>
+                  </a:extLst>
+                </p:cNvPr>
+                <p:cNvSpPr txBox="1"/>
+                <p:nvPr/>
+              </p:nvSpPr>
+              <p:spPr>
+                <a:xfrm>
+                  <a:off x="7833069" y="4381370"/>
+                  <a:ext cx="850790" cy="369332"/>
+                </a:xfrm>
+                <a:prstGeom prst="rect">
+                  <a:avLst/>
+                </a:prstGeom>
+                <a:noFill/>
+              </p:spPr>
+              <p:txBody>
+                <a:bodyPr wrap="square" rtlCol="0">
+                  <a:spAutoFit/>
+                </a:bodyPr>
+                <a:lstStyle/>
+                <a:p>
+                  <a:pPr defTabSz="1453896">
+                    <a:spcAft>
+                      <a:spcPts val="600"/>
+                    </a:spcAft>
+                  </a:pPr>
+                  <a:r>
+                    <a:rPr lang="en-US" sz="2862" kern="1200" dirty="0">
+                      <a:solidFill>
+                        <a:schemeClr val="bg1"/>
+                      </a:solidFill>
+                      <a:latin typeface="+mn-lt"/>
+                      <a:ea typeface="+mn-ea"/>
+                      <a:cs typeface="+mn-cs"/>
+                    </a:rPr>
+                    <a:t>Next</a:t>
+                  </a:r>
+                  <a:endParaRPr lang="en-US" dirty="0">
+                    <a:solidFill>
+                      <a:schemeClr val="bg1"/>
+                    </a:solidFill>
+                  </a:endParaRPr>
+                </a:p>
+              </p:txBody>
+            </p:sp>
+          </p:grpSp>
+          <p:sp>
+            <p:nvSpPr>
+              <p:cNvPr id="22" name="Rectangle 21">
+                <a:extLst>
+                  <a:ext uri="{FF2B5EF4-FFF2-40B4-BE49-F238E27FC236}">
+                    <a16:creationId xmlns:a16="http://schemas.microsoft.com/office/drawing/2014/main" id="{AAA0FFFD-ADFB-DF2B-9154-D1DBC26E6B67}"/>
+                  </a:ext>
+                </a:extLst>
+              </p:cNvPr>
+              <p:cNvSpPr/>
+              <p:nvPr/>
+            </p:nvSpPr>
+            <p:spPr>
+              <a:xfrm>
+                <a:off x="6359256" y="3955038"/>
+                <a:ext cx="1473800" cy="457900"/>
+              </a:xfrm>
+              <a:prstGeom prst="rect">
+                <a:avLst/>
+              </a:prstGeom>
+              <a:solidFill>
+                <a:schemeClr val="bg1"/>
+              </a:solidFill>
+              <a:ln>
+                <a:solidFill>
+                  <a:schemeClr val="bg1"/>
+                </a:solidFill>
+              </a:ln>
+            </p:spPr>
+            <p:style>
+              <a:lnRef idx="2">
+                <a:schemeClr val="accent1">
+                  <a:shade val="15000"/>
+                </a:schemeClr>
+              </a:lnRef>
+              <a:fillRef idx="1">
+                <a:schemeClr val="accent1"/>
+              </a:fillRef>
+              <a:effectRef idx="0">
+                <a:schemeClr val="accent1"/>
+              </a:effectRef>
+              <a:fontRef idx="minor">
+                <a:schemeClr val="lt1"/>
+              </a:fontRef>
+            </p:style>
+            <p:txBody>
+              <a:bodyPr rtlCol="0" anchor="ctr"/>
+              <a:lstStyle/>
+              <a:p>
+                <a:pPr algn="ctr"/>
+                <a:endParaRPr lang="en-US"/>
+              </a:p>
+            </p:txBody>
+          </p:sp>
+          <p:sp>
+            <p:nvSpPr>
+              <p:cNvPr id="25" name="Rectangle 24">
+                <a:extLst>
+                  <a:ext uri="{FF2B5EF4-FFF2-40B4-BE49-F238E27FC236}">
+                    <a16:creationId xmlns:a16="http://schemas.microsoft.com/office/drawing/2014/main" id="{DE90BDDF-5E2D-D21E-A770-77249787B041}"/>
+                  </a:ext>
+                </a:extLst>
+              </p:cNvPr>
+              <p:cNvSpPr/>
+              <p:nvPr/>
+            </p:nvSpPr>
+            <p:spPr>
+              <a:xfrm>
+                <a:off x="3574420" y="4588860"/>
+                <a:ext cx="2889154" cy="1657912"/>
+              </a:xfrm>
+              <a:prstGeom prst="rect">
+                <a:avLst/>
+              </a:prstGeom>
+              <a:solidFill>
+                <a:schemeClr val="bg1"/>
+              </a:solidFill>
+              <a:ln>
+                <a:solidFill>
+                  <a:schemeClr val="bg1"/>
+                </a:solidFill>
+              </a:ln>
+            </p:spPr>
+            <p:style>
+              <a:lnRef idx="2">
+                <a:schemeClr val="accent1">
+                  <a:shade val="15000"/>
+                </a:schemeClr>
+              </a:lnRef>
+              <a:fillRef idx="1">
+                <a:schemeClr val="accent1"/>
+              </a:fillRef>
+              <a:effectRef idx="0">
+                <a:schemeClr val="accent1"/>
+              </a:effectRef>
+              <a:fontRef idx="minor">
+                <a:schemeClr val="lt1"/>
+              </a:fontRef>
+            </p:style>
+            <p:txBody>
+              <a:bodyPr rtlCol="0" anchor="ctr"/>
+              <a:lstStyle/>
+              <a:p>
+                <a:pPr algn="ctr"/>
+                <a:endParaRPr lang="en-US"/>
+              </a:p>
+            </p:txBody>
+          </p:sp>
+          <p:pic>
+            <p:nvPicPr>
+              <p:cNvPr id="27" name="Picture 26">
+                <a:extLst>
+                  <a:ext uri="{FF2B5EF4-FFF2-40B4-BE49-F238E27FC236}">
+                    <a16:creationId xmlns:a16="http://schemas.microsoft.com/office/drawing/2014/main" id="{7A66C150-8989-AA27-3074-30E5991A4A1E}"/>
+                  </a:ext>
+                </a:extLst>
+              </p:cNvPr>
+              <p:cNvPicPr>
+                <a:picLocks noChangeAspect="1"/>
+              </p:cNvPicPr>
+              <p:nvPr/>
+            </p:nvPicPr>
+            <p:blipFill>
+              <a:blip r:embed="rId5"/>
+              <a:stretch>
+                <a:fillRect/>
+              </a:stretch>
+            </p:blipFill>
+            <p:spPr>
+              <a:xfrm>
+                <a:off x="3539699" y="4642670"/>
+                <a:ext cx="2889154" cy="1657911"/>
+              </a:xfrm>
+              <a:prstGeom prst="rect">
+                <a:avLst/>
+              </a:prstGeom>
+            </p:spPr>
+          </p:pic>
+          <p:sp>
+            <p:nvSpPr>
+              <p:cNvPr id="70" name="TextBox 69">
+                <a:extLst>
+                  <a:ext uri="{FF2B5EF4-FFF2-40B4-BE49-F238E27FC236}">
+                    <a16:creationId xmlns:a16="http://schemas.microsoft.com/office/drawing/2014/main" id="{5EE5836E-2510-E944-6F32-103FDC7185A4}"/>
+                  </a:ext>
+                </a:extLst>
+              </p:cNvPr>
+              <p:cNvSpPr txBox="1"/>
+              <p:nvPr/>
+            </p:nvSpPr>
+            <p:spPr>
+              <a:xfrm>
+                <a:off x="3539699" y="3434487"/>
+                <a:ext cx="5319166" cy="1015663"/>
+              </a:xfrm>
+              <a:prstGeom prst="rect">
+                <a:avLst/>
+              </a:prstGeom>
+              <a:noFill/>
+            </p:spPr>
+            <p:txBody>
+              <a:bodyPr wrap="square" rtlCol="0">
+                <a:spAutoFit/>
+              </a:bodyPr>
+              <a:lstStyle/>
+              <a:p>
+                <a:r>
+                  <a:rPr lang="en-US" sz="2000" b="1" i="1" dirty="0"/>
+                  <a:t>Target Level: [Current Target Level] dB SPL</a:t>
+                </a:r>
+              </a:p>
+              <a:p>
+                <a:r>
+                  <a:rPr lang="en-US" sz="2000" b="1" i="1" dirty="0"/>
+                  <a:t>Frequency: [Current Frequency] Hz</a:t>
+                </a:r>
+              </a:p>
+              <a:p>
+                <a:r>
+                  <a:rPr lang="en-US" sz="2000" b="1" i="1" dirty="0"/>
+                  <a:t>Ear Cup: [Current Ear Cup]</a:t>
+                </a:r>
+              </a:p>
+            </p:txBody>
+          </p:sp>
+          <p:pic>
+            <p:nvPicPr>
+              <p:cNvPr id="73" name="Picture 72">
+                <a:extLst>
+                  <a:ext uri="{FF2B5EF4-FFF2-40B4-BE49-F238E27FC236}">
+                    <a16:creationId xmlns:a16="http://schemas.microsoft.com/office/drawing/2014/main" id="{915600D7-7164-11B2-F4E2-80602008B58C}"/>
+                  </a:ext>
+                </a:extLst>
+              </p:cNvPr>
+              <p:cNvPicPr>
+                <a:picLocks noChangeAspect="1"/>
+              </p:cNvPicPr>
+              <p:nvPr/>
+            </p:nvPicPr>
+            <p:blipFill>
+              <a:blip r:embed="rId5"/>
+              <a:srcRect l="54243" t="14113" r="9204" b="71561"/>
+              <a:stretch/>
+            </p:blipFill>
+            <p:spPr>
+              <a:xfrm>
+                <a:off x="4559603" y="5019754"/>
+                <a:ext cx="987477" cy="222089"/>
+              </a:xfrm>
+              <a:prstGeom prst="rect">
+                <a:avLst/>
+              </a:prstGeom>
+            </p:spPr>
+          </p:pic>
+          <p:pic>
+            <p:nvPicPr>
+              <p:cNvPr id="74" name="Picture 73">
+                <a:extLst>
+                  <a:ext uri="{FF2B5EF4-FFF2-40B4-BE49-F238E27FC236}">
+                    <a16:creationId xmlns:a16="http://schemas.microsoft.com/office/drawing/2014/main" id="{C4899A08-3CB9-57B0-3AEE-2C2ED258F1C9}"/>
+                  </a:ext>
+                </a:extLst>
+              </p:cNvPr>
+              <p:cNvPicPr>
+                <a:picLocks noChangeAspect="1"/>
+              </p:cNvPicPr>
+              <p:nvPr/>
+            </p:nvPicPr>
+            <p:blipFill>
+              <a:blip r:embed="rId5"/>
+              <a:srcRect l="54243" t="14113" r="9204" b="71561"/>
+              <a:stretch/>
+            </p:blipFill>
+            <p:spPr>
+              <a:xfrm>
+                <a:off x="4592923" y="5844333"/>
+                <a:ext cx="781368" cy="175734"/>
+              </a:xfrm>
+              <a:prstGeom prst="rect">
+                <a:avLst/>
+              </a:prstGeom>
+            </p:spPr>
+          </p:pic>
+          <p:sp>
+            <p:nvSpPr>
+              <p:cNvPr id="72" name="TextBox 71">
+                <a:extLst>
+                  <a:ext uri="{FF2B5EF4-FFF2-40B4-BE49-F238E27FC236}">
+                    <a16:creationId xmlns:a16="http://schemas.microsoft.com/office/drawing/2014/main" id="{3AFEAD78-EC7D-6307-7861-1F8A3F1C777A}"/>
+                  </a:ext>
+                </a:extLst>
+              </p:cNvPr>
+              <p:cNvSpPr txBox="1"/>
+              <p:nvPr/>
+            </p:nvSpPr>
+            <p:spPr>
+              <a:xfrm>
+                <a:off x="4592467" y="5759607"/>
+                <a:ext cx="1356852" cy="307777"/>
+              </a:xfrm>
+              <a:prstGeom prst="rect">
+                <a:avLst/>
+              </a:prstGeom>
+              <a:noFill/>
+            </p:spPr>
+            <p:txBody>
+              <a:bodyPr wrap="square" rtlCol="0">
+                <a:spAutoFit/>
+              </a:bodyPr>
+              <a:lstStyle/>
+              <a:p>
+                <a:r>
+                  <a:rPr lang="en-US" sz="1400" b="1" dirty="0"/>
+                  <a:t>dB FS</a:t>
+                </a:r>
+              </a:p>
+            </p:txBody>
+          </p:sp>
+          <p:sp>
+            <p:nvSpPr>
+              <p:cNvPr id="71" name="TextBox 70">
+                <a:extLst>
+                  <a:ext uri="{FF2B5EF4-FFF2-40B4-BE49-F238E27FC236}">
+                    <a16:creationId xmlns:a16="http://schemas.microsoft.com/office/drawing/2014/main" id="{9EF21E42-2C52-BD01-DFA8-484D7E9C98DC}"/>
+                  </a:ext>
+                </a:extLst>
+              </p:cNvPr>
+              <p:cNvSpPr txBox="1"/>
+              <p:nvPr/>
+            </p:nvSpPr>
+            <p:spPr>
+              <a:xfrm>
+                <a:off x="4525709" y="5030676"/>
+                <a:ext cx="1356852" cy="307777"/>
+              </a:xfrm>
+              <a:prstGeom prst="rect">
+                <a:avLst/>
+              </a:prstGeom>
+              <a:noFill/>
+            </p:spPr>
+            <p:txBody>
+              <a:bodyPr wrap="square" rtlCol="0">
+                <a:spAutoFit/>
+              </a:bodyPr>
+              <a:lstStyle/>
+              <a:p>
+                <a:r>
+                  <a:rPr lang="en-US" sz="1400" b="1" dirty="0"/>
+                  <a:t>Cal Factor</a:t>
+                </a:r>
+              </a:p>
+            </p:txBody>
+          </p:sp>
+        </p:grpSp>
         <p:sp>
           <p:nvSpPr>
-            <p:cNvPr id="12" name="TextBox 11">
+            <p:cNvPr id="6" name="TextBox 5">
               <a:extLst>
                 <a:ext uri="{FF2B5EF4-FFF2-40B4-BE49-F238E27FC236}">
-                  <a16:creationId xmlns:a16="http://schemas.microsoft.com/office/drawing/2014/main" id="{30196C2B-D09E-77DC-2024-8622859A3F46}"/>
+                  <a16:creationId xmlns:a16="http://schemas.microsoft.com/office/drawing/2014/main" id="{2A45A85D-CDFD-8627-2180-5F93F3EE2011}"/>
                 </a:ext>
               </a:extLst>
             </p:cNvPr>
@@ -3517,8 +4083,8 @@
           </p:nvSpPr>
           <p:spPr>
             <a:xfrm>
-              <a:off x="3539699" y="953151"/>
-              <a:ext cx="5161936" cy="2308324"/>
+              <a:off x="4167578" y="5007131"/>
+              <a:ext cx="412900" cy="400110"/>
             </a:xfrm>
             <a:prstGeom prst="rect">
               <a:avLst/>
@@ -3537,59 +4103,30 @@
                 </a:spcAft>
               </a:pPr>
               <a:r>
-                <a:rPr lang="en-US" sz="2400" kern="1200" dirty="0" err="1">
+                <a:rPr lang="en-US" sz="2000" kern="1200" dirty="0">
                   <a:solidFill>
-                    <a:schemeClr val="tx1"/>
+                    <a:schemeClr val="bg1"/>
                   </a:solidFill>
                   <a:latin typeface="+mn-lt"/>
                   <a:ea typeface="+mn-ea"/>
                   <a:cs typeface="+mn-cs"/>
                 </a:rPr>
-                <a:t>InstructionText</a:t>
+                <a:t>3</a:t>
               </a:r>
-              <a:r>
-                <a:rPr lang="en-US" sz="2400" kern="1200" dirty="0">
-                  <a:solidFill>
-                    <a:schemeClr val="tx1"/>
-                  </a:solidFill>
-                  <a:latin typeface="+mn-lt"/>
-                  <a:ea typeface="+mn-ea"/>
-                  <a:cs typeface="+mn-cs"/>
-                </a:rPr>
-                <a:t>: “Press Play/Stop to start/stop the tone. Use the +/- buttons to adjust the output level until the flat plate reads [</a:t>
-              </a:r>
-              <a:r>
-                <a:rPr lang="en-US" sz="2400" kern="1200" dirty="0" err="1">
-                  <a:solidFill>
-                    <a:schemeClr val="tx1"/>
-                  </a:solidFill>
-                  <a:latin typeface="+mn-lt"/>
-                  <a:ea typeface="+mn-ea"/>
-                  <a:cs typeface="+mn-cs"/>
-                </a:rPr>
-                <a:t>TargetLevel</a:t>
-              </a:r>
-              <a:r>
-                <a:rPr lang="en-US" sz="2400" kern="1200" dirty="0">
-                  <a:solidFill>
-                    <a:schemeClr val="tx1"/>
-                  </a:solidFill>
-                  <a:latin typeface="+mn-lt"/>
-                  <a:ea typeface="+mn-ea"/>
-                  <a:cs typeface="+mn-cs"/>
-                </a:rPr>
-                <a:t>] dB SPL (+/- 3 dB). Press Next when done.” </a:t>
-              </a:r>
-              <a:endParaRPr lang="en-US" sz="1400" dirty="0"/>
+              <a:endParaRPr lang="en-US" sz="1200" dirty="0">
+                <a:solidFill>
+                  <a:schemeClr val="bg1"/>
+                </a:solidFill>
+              </a:endParaRPr>
             </a:p>
           </p:txBody>
         </p:sp>
         <p:sp>
           <p:nvSpPr>
-            <p:cNvPr id="14" name="TextBox 13">
+            <p:cNvPr id="7" name="TextBox 6">
               <a:extLst>
                 <a:ext uri="{FF2B5EF4-FFF2-40B4-BE49-F238E27FC236}">
-                  <a16:creationId xmlns:a16="http://schemas.microsoft.com/office/drawing/2014/main" id="{CAF23888-FE19-681B-15DC-30B7023FC0EE}"/>
+                  <a16:creationId xmlns:a16="http://schemas.microsoft.com/office/drawing/2014/main" id="{A75BD1A8-C275-1A8A-C495-9EA6BA01B253}"/>
                 </a:ext>
               </a:extLst>
             </p:cNvPr>
@@ -3598,8 +4135,8 @@
           </p:nvSpPr>
           <p:spPr>
             <a:xfrm>
-              <a:off x="3539699" y="364730"/>
-              <a:ext cx="5418480" cy="590808"/>
+              <a:off x="4162207" y="5599761"/>
+              <a:ext cx="412900" cy="400110"/>
             </a:xfrm>
             <a:prstGeom prst="rect">
               <a:avLst/>
@@ -3618,433 +4155,21 @@
                 </a:spcAft>
               </a:pPr>
               <a:r>
-                <a:rPr lang="en-US" sz="2862" b="1" kern="1200" dirty="0">
+                <a:rPr lang="en-US" sz="2000" kern="1200" dirty="0">
                   <a:solidFill>
-                    <a:schemeClr val="tx1"/>
+                    <a:schemeClr val="bg1"/>
                   </a:solidFill>
                   <a:latin typeface="+mn-lt"/>
                   <a:ea typeface="+mn-ea"/>
                   <a:cs typeface="+mn-cs"/>
                 </a:rPr>
-                <a:t>Title: “Calibration: 1000 Hz” </a:t>
+                <a:t>3</a:t>
               </a:r>
-              <a:endParaRPr lang="en-US" b="1" dirty="0"/>
-            </a:p>
-          </p:txBody>
-        </p:sp>
-        <p:grpSp>
-          <p:nvGrpSpPr>
-            <p:cNvPr id="21" name="Group 20">
-              <a:extLst>
-                <a:ext uri="{FF2B5EF4-FFF2-40B4-BE49-F238E27FC236}">
-                  <a16:creationId xmlns:a16="http://schemas.microsoft.com/office/drawing/2014/main" id="{E93AAA31-BED6-C5CF-8E34-B06D5B4F893D}"/>
-                </a:ext>
-              </a:extLst>
-            </p:cNvPr>
-            <p:cNvGrpSpPr/>
-            <p:nvPr/>
-          </p:nvGrpSpPr>
-          <p:grpSpPr>
-            <a:xfrm>
-              <a:off x="6408026" y="5101480"/>
-              <a:ext cx="1629744" cy="952680"/>
-              <a:chOff x="7665058" y="4309607"/>
-              <a:chExt cx="1018802" cy="595549"/>
-            </a:xfrm>
-          </p:grpSpPr>
-          <p:pic>
-            <p:nvPicPr>
-              <p:cNvPr id="30" name="Picture 29">
-                <a:extLst>
-                  <a:ext uri="{FF2B5EF4-FFF2-40B4-BE49-F238E27FC236}">
-                    <a16:creationId xmlns:a16="http://schemas.microsoft.com/office/drawing/2014/main" id="{6B72B6F0-8392-D73E-A4F7-5703AC82A05F}"/>
-                  </a:ext>
-                </a:extLst>
-              </p:cNvPr>
-              <p:cNvPicPr>
-                <a:picLocks noChangeAspect="1"/>
-              </p:cNvPicPr>
-              <p:nvPr/>
-            </p:nvPicPr>
-            <p:blipFill>
-              <a:blip r:embed="rId4"/>
-              <a:stretch>
-                <a:fillRect/>
-              </a:stretch>
-            </p:blipFill>
-            <p:spPr>
-              <a:xfrm>
-                <a:off x="7665058" y="4309607"/>
-                <a:ext cx="1018802" cy="595549"/>
-              </a:xfrm>
-              <a:prstGeom prst="rect">
-                <a:avLst/>
-              </a:prstGeom>
-            </p:spPr>
-          </p:pic>
-          <p:sp>
-            <p:nvSpPr>
-              <p:cNvPr id="31" name="TextBox 30">
-                <a:extLst>
-                  <a:ext uri="{FF2B5EF4-FFF2-40B4-BE49-F238E27FC236}">
-                    <a16:creationId xmlns:a16="http://schemas.microsoft.com/office/drawing/2014/main" id="{2E0D7EE7-B7CC-72EB-4316-B425E86CF7FC}"/>
-                  </a:ext>
-                </a:extLst>
-              </p:cNvPr>
-              <p:cNvSpPr txBox="1"/>
-              <p:nvPr/>
-            </p:nvSpPr>
-            <p:spPr>
-              <a:xfrm>
-                <a:off x="7833069" y="4381370"/>
-                <a:ext cx="850790" cy="369332"/>
-              </a:xfrm>
-              <a:prstGeom prst="rect">
-                <a:avLst/>
-              </a:prstGeom>
-              <a:noFill/>
-            </p:spPr>
-            <p:txBody>
-              <a:bodyPr wrap="square" rtlCol="0">
-                <a:spAutoFit/>
-              </a:bodyPr>
-              <a:lstStyle/>
-              <a:p>
-                <a:pPr defTabSz="1453896">
-                  <a:spcAft>
-                    <a:spcPts val="600"/>
-                  </a:spcAft>
-                </a:pPr>
-                <a:r>
-                  <a:rPr lang="en-US" sz="2862" kern="1200">
-                    <a:solidFill>
-                      <a:schemeClr val="bg1"/>
-                    </a:solidFill>
-                    <a:latin typeface="+mn-lt"/>
-                    <a:ea typeface="+mn-ea"/>
-                    <a:cs typeface="+mn-cs"/>
-                  </a:rPr>
-                  <a:t>Next</a:t>
-                </a:r>
-                <a:endParaRPr lang="en-US">
-                  <a:solidFill>
-                    <a:schemeClr val="bg1"/>
-                  </a:solidFill>
-                </a:endParaRPr>
-              </a:p>
-            </p:txBody>
-          </p:sp>
-        </p:grpSp>
-        <p:sp>
-          <p:nvSpPr>
-            <p:cNvPr id="22" name="Rectangle 21">
-              <a:extLst>
-                <a:ext uri="{FF2B5EF4-FFF2-40B4-BE49-F238E27FC236}">
-                  <a16:creationId xmlns:a16="http://schemas.microsoft.com/office/drawing/2014/main" id="{AAA0FFFD-ADFB-DF2B-9154-D1DBC26E6B67}"/>
-                </a:ext>
-              </a:extLst>
-            </p:cNvPr>
-            <p:cNvSpPr/>
-            <p:nvPr/>
-          </p:nvSpPr>
-          <p:spPr>
-            <a:xfrm>
-              <a:off x="6359256" y="3955038"/>
-              <a:ext cx="1473800" cy="457900"/>
-            </a:xfrm>
-            <a:prstGeom prst="rect">
-              <a:avLst/>
-            </a:prstGeom>
-            <a:solidFill>
-              <a:schemeClr val="bg1"/>
-            </a:solidFill>
-            <a:ln>
-              <a:solidFill>
-                <a:schemeClr val="bg1"/>
-              </a:solidFill>
-            </a:ln>
-          </p:spPr>
-          <p:style>
-            <a:lnRef idx="2">
-              <a:schemeClr val="accent1">
-                <a:shade val="15000"/>
-              </a:schemeClr>
-            </a:lnRef>
-            <a:fillRef idx="1">
-              <a:schemeClr val="accent1"/>
-            </a:fillRef>
-            <a:effectRef idx="0">
-              <a:schemeClr val="accent1"/>
-            </a:effectRef>
-            <a:fontRef idx="minor">
-              <a:schemeClr val="lt1"/>
-            </a:fontRef>
-          </p:style>
-          <p:txBody>
-            <a:bodyPr rtlCol="0" anchor="ctr"/>
-            <a:lstStyle/>
-            <a:p>
-              <a:pPr algn="ctr"/>
-              <a:endParaRPr lang="en-US"/>
-            </a:p>
-          </p:txBody>
-        </p:sp>
-        <p:sp>
-          <p:nvSpPr>
-            <p:cNvPr id="25" name="Rectangle 24">
-              <a:extLst>
-                <a:ext uri="{FF2B5EF4-FFF2-40B4-BE49-F238E27FC236}">
-                  <a16:creationId xmlns:a16="http://schemas.microsoft.com/office/drawing/2014/main" id="{DE90BDDF-5E2D-D21E-A770-77249787B041}"/>
-                </a:ext>
-              </a:extLst>
-            </p:cNvPr>
-            <p:cNvSpPr/>
-            <p:nvPr/>
-          </p:nvSpPr>
-          <p:spPr>
-            <a:xfrm>
-              <a:off x="3574420" y="4588860"/>
-              <a:ext cx="2889154" cy="1657912"/>
-            </a:xfrm>
-            <a:prstGeom prst="rect">
-              <a:avLst/>
-            </a:prstGeom>
-            <a:solidFill>
-              <a:schemeClr val="bg1"/>
-            </a:solidFill>
-            <a:ln>
-              <a:solidFill>
-                <a:schemeClr val="bg1"/>
-              </a:solidFill>
-            </a:ln>
-          </p:spPr>
-          <p:style>
-            <a:lnRef idx="2">
-              <a:schemeClr val="accent1">
-                <a:shade val="15000"/>
-              </a:schemeClr>
-            </a:lnRef>
-            <a:fillRef idx="1">
-              <a:schemeClr val="accent1"/>
-            </a:fillRef>
-            <a:effectRef idx="0">
-              <a:schemeClr val="accent1"/>
-            </a:effectRef>
-            <a:fontRef idx="minor">
-              <a:schemeClr val="lt1"/>
-            </a:fontRef>
-          </p:style>
-          <p:txBody>
-            <a:bodyPr rtlCol="0" anchor="ctr"/>
-            <a:lstStyle/>
-            <a:p>
-              <a:pPr algn="ctr"/>
-              <a:endParaRPr lang="en-US"/>
-            </a:p>
-          </p:txBody>
-        </p:sp>
-        <p:pic>
-          <p:nvPicPr>
-            <p:cNvPr id="27" name="Picture 26">
-              <a:extLst>
-                <a:ext uri="{FF2B5EF4-FFF2-40B4-BE49-F238E27FC236}">
-                  <a16:creationId xmlns:a16="http://schemas.microsoft.com/office/drawing/2014/main" id="{7A66C150-8989-AA27-3074-30E5991A4A1E}"/>
-                </a:ext>
-              </a:extLst>
-            </p:cNvPr>
-            <p:cNvPicPr>
-              <a:picLocks noChangeAspect="1"/>
-            </p:cNvPicPr>
-            <p:nvPr/>
-          </p:nvPicPr>
-          <p:blipFill>
-            <a:blip r:embed="rId5"/>
-            <a:stretch>
-              <a:fillRect/>
-            </a:stretch>
-          </p:blipFill>
-          <p:spPr>
-            <a:xfrm>
-              <a:off x="3539699" y="4642670"/>
-              <a:ext cx="2889154" cy="1657911"/>
-            </a:xfrm>
-            <a:prstGeom prst="rect">
-              <a:avLst/>
-            </a:prstGeom>
-          </p:spPr>
-        </p:pic>
-        <p:sp>
-          <p:nvSpPr>
-            <p:cNvPr id="70" name="TextBox 69">
-              <a:extLst>
-                <a:ext uri="{FF2B5EF4-FFF2-40B4-BE49-F238E27FC236}">
-                  <a16:creationId xmlns:a16="http://schemas.microsoft.com/office/drawing/2014/main" id="{5EE5836E-2510-E944-6F32-103FDC7185A4}"/>
-                </a:ext>
-              </a:extLst>
-            </p:cNvPr>
-            <p:cNvSpPr txBox="1"/>
-            <p:nvPr/>
-          </p:nvSpPr>
-          <p:spPr>
-            <a:xfrm>
-              <a:off x="3539699" y="3434487"/>
-              <a:ext cx="5319166" cy="1015663"/>
-            </a:xfrm>
-            <a:prstGeom prst="rect">
-              <a:avLst/>
-            </a:prstGeom>
-            <a:noFill/>
-          </p:spPr>
-          <p:txBody>
-            <a:bodyPr wrap="square" rtlCol="0">
-              <a:spAutoFit/>
-            </a:bodyPr>
-            <a:lstStyle/>
-            <a:p>
-              <a:r>
-                <a:rPr lang="en-US" sz="2000" b="1" i="1" dirty="0"/>
-                <a:t>Target Level: [Current Target Level] dB SPL</a:t>
-              </a:r>
-            </a:p>
-            <a:p>
-              <a:r>
-                <a:rPr lang="en-US" sz="2000" b="1" i="1" dirty="0"/>
-                <a:t>Frequency: [Current Frequency] Hz</a:t>
-              </a:r>
-            </a:p>
-            <a:p>
-              <a:r>
-                <a:rPr lang="en-US" sz="2000" b="1" i="1" dirty="0"/>
-                <a:t>Ear Cup: [Current Ear Cup]</a:t>
-              </a:r>
-            </a:p>
-          </p:txBody>
-        </p:sp>
-        <p:pic>
-          <p:nvPicPr>
-            <p:cNvPr id="73" name="Picture 72">
-              <a:extLst>
-                <a:ext uri="{FF2B5EF4-FFF2-40B4-BE49-F238E27FC236}">
-                  <a16:creationId xmlns:a16="http://schemas.microsoft.com/office/drawing/2014/main" id="{915600D7-7164-11B2-F4E2-80602008B58C}"/>
-                </a:ext>
-              </a:extLst>
-            </p:cNvPr>
-            <p:cNvPicPr>
-              <a:picLocks noChangeAspect="1"/>
-            </p:cNvPicPr>
-            <p:nvPr/>
-          </p:nvPicPr>
-          <p:blipFill>
-            <a:blip r:embed="rId5"/>
-            <a:srcRect l="54243" t="14113" r="9204" b="71561"/>
-            <a:stretch/>
-          </p:blipFill>
-          <p:spPr>
-            <a:xfrm>
-              <a:off x="4559603" y="5019754"/>
-              <a:ext cx="987477" cy="222089"/>
-            </a:xfrm>
-            <a:prstGeom prst="rect">
-              <a:avLst/>
-            </a:prstGeom>
-          </p:spPr>
-        </p:pic>
-        <p:pic>
-          <p:nvPicPr>
-            <p:cNvPr id="74" name="Picture 73">
-              <a:extLst>
-                <a:ext uri="{FF2B5EF4-FFF2-40B4-BE49-F238E27FC236}">
-                  <a16:creationId xmlns:a16="http://schemas.microsoft.com/office/drawing/2014/main" id="{C4899A08-3CB9-57B0-3AEE-2C2ED258F1C9}"/>
-                </a:ext>
-              </a:extLst>
-            </p:cNvPr>
-            <p:cNvPicPr>
-              <a:picLocks noChangeAspect="1"/>
-            </p:cNvPicPr>
-            <p:nvPr/>
-          </p:nvPicPr>
-          <p:blipFill>
-            <a:blip r:embed="rId5"/>
-            <a:srcRect l="54243" t="14113" r="9204" b="71561"/>
-            <a:stretch/>
-          </p:blipFill>
-          <p:spPr>
-            <a:xfrm>
-              <a:off x="4592923" y="5844333"/>
-              <a:ext cx="781368" cy="175734"/>
-            </a:xfrm>
-            <a:prstGeom prst="rect">
-              <a:avLst/>
-            </a:prstGeom>
-          </p:spPr>
-        </p:pic>
-        <p:sp>
-          <p:nvSpPr>
-            <p:cNvPr id="72" name="TextBox 71">
-              <a:extLst>
-                <a:ext uri="{FF2B5EF4-FFF2-40B4-BE49-F238E27FC236}">
-                  <a16:creationId xmlns:a16="http://schemas.microsoft.com/office/drawing/2014/main" id="{3AFEAD78-EC7D-6307-7861-1F8A3F1C777A}"/>
-                </a:ext>
-              </a:extLst>
-            </p:cNvPr>
-            <p:cNvSpPr txBox="1"/>
-            <p:nvPr/>
-          </p:nvSpPr>
-          <p:spPr>
-            <a:xfrm>
-              <a:off x="4592467" y="5759607"/>
-              <a:ext cx="1356852" cy="307777"/>
-            </a:xfrm>
-            <a:prstGeom prst="rect">
-              <a:avLst/>
-            </a:prstGeom>
-            <a:noFill/>
-          </p:spPr>
-          <p:txBody>
-            <a:bodyPr wrap="square" rtlCol="0">
-              <a:spAutoFit/>
-            </a:bodyPr>
-            <a:lstStyle/>
-            <a:p>
-              <a:r>
-                <a:rPr lang="en-US" sz="1400" b="1" dirty="0"/>
-                <a:t>dB FS</a:t>
-              </a:r>
-            </a:p>
-          </p:txBody>
-        </p:sp>
-        <p:sp>
-          <p:nvSpPr>
-            <p:cNvPr id="71" name="TextBox 70">
-              <a:extLst>
-                <a:ext uri="{FF2B5EF4-FFF2-40B4-BE49-F238E27FC236}">
-                  <a16:creationId xmlns:a16="http://schemas.microsoft.com/office/drawing/2014/main" id="{9EF21E42-2C52-BD01-DFA8-484D7E9C98DC}"/>
-                </a:ext>
-              </a:extLst>
-            </p:cNvPr>
-            <p:cNvSpPr txBox="1"/>
-            <p:nvPr/>
-          </p:nvSpPr>
-          <p:spPr>
-            <a:xfrm>
-              <a:off x="4525709" y="5030676"/>
-              <a:ext cx="1356852" cy="307777"/>
-            </a:xfrm>
-            <a:prstGeom prst="rect">
-              <a:avLst/>
-            </a:prstGeom>
-            <a:noFill/>
-          </p:spPr>
-          <p:txBody>
-            <a:bodyPr wrap="square" rtlCol="0">
-              <a:spAutoFit/>
-            </a:bodyPr>
-            <a:lstStyle/>
-            <a:p>
-              <a:r>
-                <a:rPr lang="en-US" sz="1400" b="1" dirty="0"/>
-                <a:t>Cal Factor</a:t>
-              </a:r>
+              <a:endParaRPr lang="en-US" sz="1200" dirty="0">
+                <a:solidFill>
+                  <a:schemeClr val="bg1"/>
+                </a:solidFill>
+              </a:endParaRPr>
             </a:p>
           </p:txBody>
         </p:sp>
@@ -4492,10 +4617,10 @@
         </p:nvGrpSpPr>
         <p:grpSpPr>
           <a:xfrm>
-            <a:off x="3618322" y="615099"/>
-            <a:ext cx="4862153" cy="5637229"/>
-            <a:chOff x="3618322" y="615099"/>
-            <a:chExt cx="4862153" cy="5637229"/>
+            <a:off x="3618323" y="615099"/>
+            <a:ext cx="4862152" cy="5637229"/>
+            <a:chOff x="3618323" y="615099"/>
+            <a:chExt cx="4862152" cy="5637229"/>
           </a:xfrm>
         </p:grpSpPr>
         <p:pic>
@@ -4659,8 +4784,8 @@
           </p:nvSpPr>
           <p:spPr>
             <a:xfrm>
-              <a:off x="3618322" y="1336034"/>
-              <a:ext cx="4742187" cy="1015663"/>
+              <a:off x="3742488" y="1336034"/>
+              <a:ext cx="4618021" cy="1015663"/>
             </a:xfrm>
             <a:prstGeom prst="rect">
               <a:avLst/>
@@ -4718,8 +4843,8 @@
           </p:nvSpPr>
           <p:spPr>
             <a:xfrm>
-              <a:off x="3680406" y="854137"/>
-              <a:ext cx="4680104" cy="400110"/>
+              <a:off x="3742488" y="854137"/>
+              <a:ext cx="4618022" cy="400110"/>
             </a:xfrm>
             <a:prstGeom prst="rect">
               <a:avLst/>

--- a/Specifications/headphones_narrowband_calibration/GUI-Screens.pptx
+++ b/Specifications/headphones_narrowband_calibration/GUI-Screens.pptx
@@ -261,7 +261,7 @@
           <a:p>
             <a:fld id="{6E783203-F72E-42D3-9F56-E7123AD26E23}" type="datetimeFigureOut">
               <a:rPr lang="en-US" smtClean="0"/>
-              <a:t>9/27/2024</a:t>
+              <a:t>1/20/2025</a:t>
             </a:fld>
             <a:endParaRPr lang="en-US"/>
           </a:p>
@@ -459,7 +459,7 @@
           <a:p>
             <a:fld id="{6E783203-F72E-42D3-9F56-E7123AD26E23}" type="datetimeFigureOut">
               <a:rPr lang="en-US" smtClean="0"/>
-              <a:t>9/27/2024</a:t>
+              <a:t>1/20/2025</a:t>
             </a:fld>
             <a:endParaRPr lang="en-US"/>
           </a:p>
@@ -667,7 +667,7 @@
           <a:p>
             <a:fld id="{6E783203-F72E-42D3-9F56-E7123AD26E23}" type="datetimeFigureOut">
               <a:rPr lang="en-US" smtClean="0"/>
-              <a:t>9/27/2024</a:t>
+              <a:t>1/20/2025</a:t>
             </a:fld>
             <a:endParaRPr lang="en-US"/>
           </a:p>
@@ -865,7 +865,7 @@
           <a:p>
             <a:fld id="{6E783203-F72E-42D3-9F56-E7123AD26E23}" type="datetimeFigureOut">
               <a:rPr lang="en-US" smtClean="0"/>
-              <a:t>9/27/2024</a:t>
+              <a:t>1/20/2025</a:t>
             </a:fld>
             <a:endParaRPr lang="en-US"/>
           </a:p>
@@ -1140,7 +1140,7 @@
           <a:p>
             <a:fld id="{6E783203-F72E-42D3-9F56-E7123AD26E23}" type="datetimeFigureOut">
               <a:rPr lang="en-US" smtClean="0"/>
-              <a:t>9/27/2024</a:t>
+              <a:t>1/20/2025</a:t>
             </a:fld>
             <a:endParaRPr lang="en-US"/>
           </a:p>
@@ -1405,7 +1405,7 @@
           <a:p>
             <a:fld id="{6E783203-F72E-42D3-9F56-E7123AD26E23}" type="datetimeFigureOut">
               <a:rPr lang="en-US" smtClean="0"/>
-              <a:t>9/27/2024</a:t>
+              <a:t>1/20/2025</a:t>
             </a:fld>
             <a:endParaRPr lang="en-US"/>
           </a:p>
@@ -1817,7 +1817,7 @@
           <a:p>
             <a:fld id="{6E783203-F72E-42D3-9F56-E7123AD26E23}" type="datetimeFigureOut">
               <a:rPr lang="en-US" smtClean="0"/>
-              <a:t>9/27/2024</a:t>
+              <a:t>1/20/2025</a:t>
             </a:fld>
             <a:endParaRPr lang="en-US"/>
           </a:p>
@@ -1958,7 +1958,7 @@
           <a:p>
             <a:fld id="{6E783203-F72E-42D3-9F56-E7123AD26E23}" type="datetimeFigureOut">
               <a:rPr lang="en-US" smtClean="0"/>
-              <a:t>9/27/2024</a:t>
+              <a:t>1/20/2025</a:t>
             </a:fld>
             <a:endParaRPr lang="en-US"/>
           </a:p>
@@ -2071,7 +2071,7 @@
           <a:p>
             <a:fld id="{6E783203-F72E-42D3-9F56-E7123AD26E23}" type="datetimeFigureOut">
               <a:rPr lang="en-US" smtClean="0"/>
-              <a:t>9/27/2024</a:t>
+              <a:t>1/20/2025</a:t>
             </a:fld>
             <a:endParaRPr lang="en-US"/>
           </a:p>
@@ -2382,7 +2382,7 @@
           <a:p>
             <a:fld id="{6E783203-F72E-42D3-9F56-E7123AD26E23}" type="datetimeFigureOut">
               <a:rPr lang="en-US" smtClean="0"/>
-              <a:t>9/27/2024</a:t>
+              <a:t>1/20/2025</a:t>
             </a:fld>
             <a:endParaRPr lang="en-US"/>
           </a:p>
@@ -2670,7 +2670,7 @@
           <a:p>
             <a:fld id="{6E783203-F72E-42D3-9F56-E7123AD26E23}" type="datetimeFigureOut">
               <a:rPr lang="en-US" smtClean="0"/>
-              <a:t>9/27/2024</a:t>
+              <a:t>1/20/2025</a:t>
             </a:fld>
             <a:endParaRPr lang="en-US"/>
           </a:p>
@@ -2911,7 +2911,7 @@
           <a:p>
             <a:fld id="{6E783203-F72E-42D3-9F56-E7123AD26E23}" type="datetimeFigureOut">
               <a:rPr lang="en-US" smtClean="0"/>
-              <a:t>9/27/2024</a:t>
+              <a:t>1/20/2025</a:t>
             </a:fld>
             <a:endParaRPr lang="en-US"/>
           </a:p>
@@ -3538,7 +3538,7 @@
             <p:spPr>
               <a:xfrm>
                 <a:off x="3539699" y="953151"/>
-                <a:ext cx="5161936" cy="2308324"/>
+                <a:ext cx="5161936" cy="3108543"/>
               </a:xfrm>
               <a:prstGeom prst="rect">
                 <a:avLst/>
@@ -3557,7 +3557,7 @@
                   </a:spcAft>
                 </a:pPr>
                 <a:r>
-                  <a:rPr lang="en-US" sz="2400" kern="1200" dirty="0" err="1">
+                  <a:rPr lang="en-US" sz="2000" kern="1200" dirty="0" err="1">
                     <a:solidFill>
                       <a:schemeClr val="tx1"/>
                     </a:solidFill>
@@ -3568,7 +3568,7 @@
                   <a:t>InstructionText</a:t>
                 </a:r>
                 <a:r>
-                  <a:rPr lang="en-US" sz="2400" kern="1200" dirty="0">
+                  <a:rPr lang="en-US" sz="2000" kern="1200" dirty="0">
                     <a:solidFill>
                       <a:schemeClr val="tx1"/>
                     </a:solidFill>
@@ -3576,10 +3576,50 @@
                     <a:ea typeface="+mn-ea"/>
                     <a:cs typeface="+mn-cs"/>
                   </a:rPr>
-                  <a:t>: “Press Play/Stop to start/stop the tone. Use the +/- buttons to adjust the output level until the flat plate reads [</a:t>
+                  <a:t>: </a:t>
+                </a:r>
+              </a:p>
+              <a:p>
+                <a:pPr marL="342900" indent="-342900" defTabSz="1453896">
+                  <a:spcAft>
+                    <a:spcPts val="600"/>
+                  </a:spcAft>
+                  <a:buFont typeface="Arial" panose="020B0604020202020204" pitchFamily="34" charset="0"/>
+                  <a:buChar char="•"/>
+                </a:pPr>
+                <a:r>
+                  <a:rPr lang="en-US" sz="1600" kern="1200" dirty="0">
+                    <a:solidFill>
+                      <a:schemeClr val="tx1"/>
+                    </a:solidFill>
+                    <a:latin typeface="+mn-lt"/>
+                    <a:ea typeface="+mn-ea"/>
+                    <a:cs typeface="+mn-cs"/>
+                  </a:rPr>
+                  <a:t>Press Play/Stop to start/stop the tone</a:t>
+                </a:r>
+              </a:p>
+              <a:p>
+                <a:pPr marL="342900" indent="-342900" defTabSz="1453896">
+                  <a:spcAft>
+                    <a:spcPts val="600"/>
+                  </a:spcAft>
+                  <a:buFont typeface="Arial" panose="020B0604020202020204" pitchFamily="34" charset="0"/>
+                  <a:buChar char="•"/>
+                </a:pPr>
+                <a:r>
+                  <a:rPr lang="en-US" sz="1600" kern="1200" dirty="0">
+                    <a:solidFill>
+                      <a:schemeClr val="tx1"/>
+                    </a:solidFill>
+                    <a:latin typeface="+mn-lt"/>
+                    <a:ea typeface="+mn-ea"/>
+                    <a:cs typeface="+mn-cs"/>
+                  </a:rPr>
+                  <a:t>Use the +/- buttons to adjust the output level until the flat plate reads [</a:t>
                 </a:r>
                 <a:r>
-                  <a:rPr lang="en-US" sz="2400" kern="1200" dirty="0" err="1">
+                  <a:rPr lang="en-US" sz="1600" kern="1200" dirty="0" err="1">
                     <a:solidFill>
                       <a:schemeClr val="tx1"/>
                     </a:solidFill>
@@ -3590,7 +3630,7 @@
                   <a:t>TargetLevel</a:t>
                 </a:r>
                 <a:r>
-                  <a:rPr lang="en-US" sz="2400" kern="1200" dirty="0">
+                  <a:rPr lang="en-US" sz="1600" kern="1200" dirty="0">
                     <a:solidFill>
                       <a:schemeClr val="tx1"/>
                     </a:solidFill>
@@ -3598,9 +3638,98 @@
                     <a:ea typeface="+mn-ea"/>
                     <a:cs typeface="+mn-cs"/>
                   </a:rPr>
-                  <a:t>] dB SPL (+/- 3 dB). Press Next when done.” </a:t>
+                  <a:t>] dB SPL (+/- 3 dB)</a:t>
                 </a:r>
-                <a:endParaRPr lang="en-US" sz="1400" dirty="0"/>
+                <a:endParaRPr lang="en-US" sz="1600" dirty="0"/>
+              </a:p>
+              <a:p>
+                <a:pPr marL="342900" indent="-342900" defTabSz="1453896">
+                  <a:spcAft>
+                    <a:spcPts val="600"/>
+                  </a:spcAft>
+                  <a:buFont typeface="Arial" panose="020B0604020202020204" pitchFamily="34" charset="0"/>
+                  <a:buChar char="•"/>
+                </a:pPr>
+                <a:r>
+                  <a:rPr lang="en-US" sz="1600" kern="1200" dirty="0">
+                    <a:solidFill>
+                      <a:schemeClr val="tx1"/>
+                    </a:solidFill>
+                    <a:latin typeface="+mn-lt"/>
+                    <a:ea typeface="+mn-ea"/>
+                    <a:cs typeface="+mn-cs"/>
+                  </a:rPr>
+                  <a:t> Press Next when done</a:t>
+                </a:r>
+                <a:endParaRPr lang="en-US" sz="1600" dirty="0"/>
+              </a:p>
+              <a:p>
+                <a:pPr marL="342900" indent="-342900" defTabSz="1453896">
+                  <a:spcAft>
+                    <a:spcPts val="600"/>
+                  </a:spcAft>
+                  <a:buFont typeface="Arial" panose="020B0604020202020204" pitchFamily="34" charset="0"/>
+                  <a:buChar char="•"/>
+                </a:pPr>
+                <a:r>
+                  <a:rPr lang="en-US" sz="1600" kern="1200" dirty="0">
+                    <a:solidFill>
+                      <a:schemeClr val="tx1"/>
+                    </a:solidFill>
+                    <a:latin typeface="+mn-lt"/>
+                    <a:ea typeface="+mn-ea"/>
+                    <a:cs typeface="+mn-cs"/>
+                  </a:rPr>
+                  <a:t>Use Linear Weighting in your signal path during calibration</a:t>
+                </a:r>
+              </a:p>
+              <a:p>
+                <a:pPr marL="342900" indent="-342900" defTabSz="1453896">
+                  <a:spcAft>
+                    <a:spcPts val="600"/>
+                  </a:spcAft>
+                  <a:buFont typeface="Arial" panose="020B0604020202020204" pitchFamily="34" charset="0"/>
+                  <a:buChar char="•"/>
+                </a:pPr>
+                <a:r>
+                  <a:rPr lang="en-US" sz="1600" dirty="0"/>
+                  <a:t>Ensure no clipping in your signal path</a:t>
+                </a:r>
+                <a:endParaRPr lang="en-US" sz="1600" kern="1200" dirty="0">
+                  <a:solidFill>
+                    <a:schemeClr val="tx1"/>
+                  </a:solidFill>
+                  <a:latin typeface="+mn-lt"/>
+                  <a:ea typeface="+mn-ea"/>
+                  <a:cs typeface="+mn-cs"/>
+                </a:endParaRPr>
+              </a:p>
+              <a:p>
+                <a:pPr marL="342900" indent="-342900" defTabSz="1453896">
+                  <a:spcAft>
+                    <a:spcPts val="600"/>
+                  </a:spcAft>
+                  <a:buFont typeface="Arial" panose="020B0604020202020204" pitchFamily="34" charset="0"/>
+                  <a:buChar char="•"/>
+                </a:pPr>
+                <a:endParaRPr lang="en-US" kern="1200" dirty="0">
+                  <a:solidFill>
+                    <a:schemeClr val="tx1"/>
+                  </a:solidFill>
+                  <a:latin typeface="+mn-lt"/>
+                  <a:ea typeface="+mn-ea"/>
+                  <a:cs typeface="+mn-cs"/>
+                </a:endParaRPr>
+              </a:p>
+              <a:p>
+                <a:pPr marL="342900" indent="-342900" defTabSz="1453896">
+                  <a:spcAft>
+                    <a:spcPts val="600"/>
+                  </a:spcAft>
+                  <a:buFont typeface="Arial" panose="020B0604020202020204" pitchFamily="34" charset="0"/>
+                  <a:buChar char="•"/>
+                </a:pPr>
+                <a:endParaRPr lang="en-US" sz="1100" dirty="0"/>
               </a:p>
             </p:txBody>
           </p:sp>
@@ -3907,8 +4036,8 @@
             </p:nvSpPr>
             <p:spPr>
               <a:xfrm>
-                <a:off x="3539699" y="3434487"/>
-                <a:ext cx="5319166" cy="1015663"/>
+                <a:off x="3539699" y="3568920"/>
+                <a:ext cx="5319166" cy="923330"/>
               </a:xfrm>
               <a:prstGeom prst="rect">
                 <a:avLst/>
@@ -3922,19 +4051,19 @@
               <a:lstStyle/>
               <a:p>
                 <a:r>
-                  <a:rPr lang="en-US" sz="2000" b="1" i="1" dirty="0"/>
+                  <a:rPr lang="en-US" b="1" i="1" dirty="0"/>
                   <a:t>Target Level: [Current Target Level] dB SPL</a:t>
                 </a:r>
               </a:p>
               <a:p>
                 <a:r>
-                  <a:rPr lang="en-US" sz="2000" b="1" i="1" dirty="0"/>
+                  <a:rPr lang="en-US" b="1" i="1" dirty="0"/>
                   <a:t>Frequency: [Current Frequency] Hz</a:t>
                 </a:r>
               </a:p>
               <a:p>
                 <a:r>
-                  <a:rPr lang="en-US" sz="2000" b="1" i="1" dirty="0"/>
+                  <a:rPr lang="en-US" b="1" i="1" dirty="0"/>
                   <a:t>Ear Cup: [Current Ear Cup]</a:t>
                 </a:r>
               </a:p>
